--- a/Readmission Predicition.pptx
+++ b/Readmission Predicition.pptx
@@ -223,7 +223,7 @@
           <a:p>
             <a:fld id="{C0A15303-62E1-F04C-AB44-744A54F30B06}" type="datetimeFigureOut">
               <a:rPr kumimoji="1" lang="zh-CN" altLang="en-US" smtClean="0"/>
-              <a:t>2018/12/24</a:t>
+              <a:t>2018/12/28</a:t>
             </a:fld>
             <a:endParaRPr kumimoji="1" lang="zh-CN" altLang="en-US" dirty="0"/>
           </a:p>
@@ -400,7 +400,7 @@
           <a:p>
             <a:fld id="{7C776E09-99F8-984B-94C5-8B8320C932E0}" type="datetimeFigureOut">
               <a:rPr kumimoji="1" lang="zh-CN" altLang="en-US" smtClean="0"/>
-              <a:t>2018/12/24</a:t>
+              <a:t>2018/12/28</a:t>
             </a:fld>
             <a:endParaRPr kumimoji="1" lang="zh-CN" altLang="en-US"/>
           </a:p>
@@ -1125,7 +1125,7 @@
           <a:p>
             <a:fld id="{63D33691-845E-8142-B979-FF2E29BECE60}" type="datetime1">
               <a:rPr kumimoji="1" lang="zh-CN" altLang="en-US" smtClean="0"/>
-              <a:t>2018/12/24</a:t>
+              <a:t>2018/12/28</a:t>
             </a:fld>
             <a:endParaRPr kumimoji="1" lang="zh-CN" altLang="en-US"/>
           </a:p>
@@ -1298,7 +1298,7 @@
           <a:p>
             <a:fld id="{BC220D75-57EC-7C49-B4C4-8B2BBB1185A3}" type="datetime1">
               <a:rPr kumimoji="1" lang="zh-CN" altLang="en-US" smtClean="0"/>
-              <a:t>2018/12/24</a:t>
+              <a:t>2018/12/28</a:t>
             </a:fld>
             <a:endParaRPr kumimoji="1" lang="zh-CN" altLang="en-US"/>
           </a:p>
@@ -1481,7 +1481,7 @@
           <a:p>
             <a:fld id="{16AC7AB1-32FD-124D-A873-18911E43E64F}" type="datetime1">
               <a:rPr kumimoji="1" lang="zh-CN" altLang="en-US" smtClean="0"/>
-              <a:t>2018/12/24</a:t>
+              <a:t>2018/12/28</a:t>
             </a:fld>
             <a:endParaRPr kumimoji="1" lang="zh-CN" altLang="en-US"/>
           </a:p>
@@ -1654,7 +1654,7 @@
           <a:p>
             <a:fld id="{79A8554D-A80F-1543-8A8E-96C8B230C53F}" type="datetime1">
               <a:rPr kumimoji="1" lang="zh-CN" altLang="en-US" smtClean="0"/>
-              <a:t>2018/12/24</a:t>
+              <a:t>2018/12/28</a:t>
             </a:fld>
             <a:endParaRPr kumimoji="1" lang="zh-CN" altLang="en-US"/>
           </a:p>
@@ -1932,7 +1932,7 @@
           <a:p>
             <a:fld id="{D632AC81-1677-EA49-9254-1BCD721F86FE}" type="datetime1">
               <a:rPr kumimoji="1" lang="zh-CN" altLang="en-US" smtClean="0"/>
-              <a:t>2018/12/24</a:t>
+              <a:t>2018/12/28</a:t>
             </a:fld>
             <a:endParaRPr kumimoji="1" lang="zh-CN" altLang="en-US"/>
           </a:p>
@@ -2147,7 +2147,7 @@
           <a:p>
             <a:fld id="{7B47AA74-1276-954F-84E5-D85A86DE8023}" type="datetime1">
               <a:rPr kumimoji="1" lang="zh-CN" altLang="en-US" smtClean="0"/>
-              <a:t>2018/12/24</a:t>
+              <a:t>2018/12/28</a:t>
             </a:fld>
             <a:endParaRPr kumimoji="1" lang="zh-CN" altLang="en-US"/>
           </a:p>
@@ -2515,7 +2515,7 @@
           <a:p>
             <a:fld id="{FD5AE5EA-0BDD-A340-BF25-2FF86BE58F1F}" type="datetime1">
               <a:rPr kumimoji="1" lang="zh-CN" altLang="en-US" smtClean="0"/>
-              <a:t>2018/12/24</a:t>
+              <a:t>2018/12/28</a:t>
             </a:fld>
             <a:endParaRPr kumimoji="1" lang="zh-CN" altLang="en-US"/>
           </a:p>
@@ -2656,7 +2656,7 @@
           <a:p>
             <a:fld id="{DBA64DB8-1359-DC4B-B349-E7D49A14CBCC}" type="datetime1">
               <a:rPr kumimoji="1" lang="zh-CN" altLang="en-US" smtClean="0"/>
-              <a:t>2018/12/24</a:t>
+              <a:t>2018/12/28</a:t>
             </a:fld>
             <a:endParaRPr kumimoji="1" lang="zh-CN" altLang="en-US"/>
           </a:p>
@@ -2769,7 +2769,7 @@
           <a:p>
             <a:fld id="{76108F85-B009-AD4F-878E-73C8AD54D93E}" type="datetime1">
               <a:rPr kumimoji="1" lang="zh-CN" altLang="en-US" smtClean="0"/>
-              <a:t>2018/12/24</a:t>
+              <a:t>2018/12/28</a:t>
             </a:fld>
             <a:endParaRPr kumimoji="1" lang="zh-CN" altLang="en-US"/>
           </a:p>
@@ -3058,7 +3058,7 @@
           <a:p>
             <a:fld id="{EDB24B0F-A894-0944-8381-7277A6CB197F}" type="datetime1">
               <a:rPr kumimoji="1" lang="zh-CN" altLang="en-US" smtClean="0"/>
-              <a:t>2018/12/24</a:t>
+              <a:t>2018/12/28</a:t>
             </a:fld>
             <a:endParaRPr kumimoji="1" lang="zh-CN" altLang="en-US"/>
           </a:p>
@@ -3349,7 +3349,7 @@
           <a:p>
             <a:fld id="{3D9F7116-8B3B-514D-917D-3D37877F9142}" type="datetime1">
               <a:rPr kumimoji="1" lang="zh-CN" altLang="en-US" smtClean="0"/>
-              <a:t>2018/12/24</a:t>
+              <a:t>2018/12/28</a:t>
             </a:fld>
             <a:endParaRPr kumimoji="1" lang="zh-CN" altLang="en-US"/>
           </a:p>
@@ -3565,7 +3565,7 @@
           <a:p>
             <a:fld id="{6ABC4792-9E67-A349-A1AE-DA04883BA71C}" type="datetime1">
               <a:rPr kumimoji="1" lang="zh-CN" altLang="en-US" smtClean="0"/>
-              <a:t>2018/12/24</a:t>
+              <a:t>2018/12/28</a:t>
             </a:fld>
             <a:endParaRPr kumimoji="1" lang="zh-CN" altLang="en-US"/>
           </a:p>
@@ -4102,7 +4102,7 @@
                 <a:latin typeface="Times New Roman" panose="02020603050405020304" pitchFamily="18" charset="0"/>
                 <a:cs typeface="Times New Roman" panose="02020603050405020304" pitchFamily="18" charset="0"/>
               </a:rPr>
-              <a:t>2018/12/24</a:t>
+              <a:t>2018/12/28</a:t>
             </a:fld>
             <a:endParaRPr kumimoji="1" lang="zh-CN" altLang="en-US" sz="1800" dirty="0">
               <a:latin typeface="Times New Roman" panose="02020603050405020304" pitchFamily="18" charset="0"/>
@@ -4387,7 +4387,7 @@
           <a:p>
             <a:fld id="{84F04E93-1821-2A42-8770-455129C3DDEB}" type="datetime1">
               <a:rPr kumimoji="1" lang="zh-CN" altLang="en-US" smtClean="0"/>
-              <a:t>2018/12/24</a:t>
+              <a:t>2018/12/28</a:t>
             </a:fld>
             <a:endParaRPr kumimoji="1" lang="zh-CN" altLang="en-US"/>
           </a:p>
@@ -4612,7 +4612,7 @@
           <a:p>
             <a:fld id="{84F04E93-1821-2A42-8770-455129C3DDEB}" type="datetime1">
               <a:rPr kumimoji="1" lang="zh-CN" altLang="en-US" smtClean="0"/>
-              <a:t>2018/12/24</a:t>
+              <a:t>2018/12/28</a:t>
             </a:fld>
             <a:endParaRPr kumimoji="1" lang="zh-CN" altLang="en-US"/>
           </a:p>
@@ -6984,7 +6984,7 @@
           <a:p>
             <a:fld id="{84F04E93-1821-2A42-8770-455129C3DDEB}" type="datetime1">
               <a:rPr kumimoji="1" lang="zh-CN" altLang="en-US" smtClean="0"/>
-              <a:t>2018/12/24</a:t>
+              <a:t>2018/12/28</a:t>
             </a:fld>
             <a:endParaRPr kumimoji="1" lang="zh-CN" altLang="en-US" dirty="0"/>
           </a:p>
@@ -7719,7 +7719,7 @@
           <a:p>
             <a:fld id="{79A8554D-A80F-1543-8A8E-96C8B230C53F}" type="datetime1">
               <a:rPr kumimoji="1" lang="zh-CN" altLang="en-US" smtClean="0"/>
-              <a:t>2018/12/24</a:t>
+              <a:t>2018/12/28</a:t>
             </a:fld>
             <a:endParaRPr kumimoji="1" lang="zh-CN" altLang="en-US"/>
           </a:p>
@@ -8422,7 +8422,7 @@
           <a:p>
             <a:fld id="{79A8554D-A80F-1543-8A8E-96C8B230C53F}" type="datetime1">
               <a:rPr kumimoji="1" lang="zh-CN" altLang="en-US" smtClean="0"/>
-              <a:t>2018/12/24</a:t>
+              <a:t>2018/12/28</a:t>
             </a:fld>
             <a:endParaRPr kumimoji="1" lang="zh-CN" altLang="en-US"/>
           </a:p>
@@ -9731,7 +9731,7 @@
           <a:p>
             <a:fld id="{79A8554D-A80F-1543-8A8E-96C8B230C53F}" type="datetime1">
               <a:rPr kumimoji="1" lang="zh-CN" altLang="en-US" smtClean="0"/>
-              <a:t>2018/12/24</a:t>
+              <a:t>2018/12/28</a:t>
             </a:fld>
             <a:endParaRPr kumimoji="1" lang="zh-CN" altLang="en-US"/>
           </a:p>
@@ -10944,7 +10944,7 @@
           <a:p>
             <a:fld id="{79A8554D-A80F-1543-8A8E-96C8B230C53F}" type="datetime1">
               <a:rPr kumimoji="1" lang="zh-CN" altLang="en-US" smtClean="0"/>
-              <a:t>2018/12/24</a:t>
+              <a:t>2018/12/28</a:t>
             </a:fld>
             <a:endParaRPr kumimoji="1" lang="zh-CN" altLang="en-US"/>
           </a:p>
@@ -11088,7 +11088,7 @@
           <a:p>
             <a:fld id="{79A8554D-A80F-1543-8A8E-96C8B230C53F}" type="datetime1">
               <a:rPr kumimoji="1" lang="zh-CN" altLang="en-US" smtClean="0"/>
-              <a:t>2018/12/24</a:t>
+              <a:t>2018/12/28</a:t>
             </a:fld>
             <a:endParaRPr kumimoji="1" lang="zh-CN" altLang="en-US"/>
           </a:p>

--- a/Readmission Predicition.pptx
+++ b/Readmission Predicition.pptx
@@ -223,7 +223,7 @@
           <a:p>
             <a:fld id="{C0A15303-62E1-F04C-AB44-744A54F30B06}" type="datetimeFigureOut">
               <a:rPr kumimoji="1" lang="zh-CN" altLang="en-US" smtClean="0"/>
-              <a:t>2018/12/28</a:t>
+              <a:t>2018/12/30</a:t>
             </a:fld>
             <a:endParaRPr kumimoji="1" lang="zh-CN" altLang="en-US" dirty="0"/>
           </a:p>
@@ -400,7 +400,7 @@
           <a:p>
             <a:fld id="{7C776E09-99F8-984B-94C5-8B8320C932E0}" type="datetimeFigureOut">
               <a:rPr kumimoji="1" lang="zh-CN" altLang="en-US" smtClean="0"/>
-              <a:t>2018/12/28</a:t>
+              <a:t>2018/12/30</a:t>
             </a:fld>
             <a:endParaRPr kumimoji="1" lang="zh-CN" altLang="en-US"/>
           </a:p>
@@ -1125,7 +1125,7 @@
           <a:p>
             <a:fld id="{63D33691-845E-8142-B979-FF2E29BECE60}" type="datetime1">
               <a:rPr kumimoji="1" lang="zh-CN" altLang="en-US" smtClean="0"/>
-              <a:t>2018/12/28</a:t>
+              <a:t>2018/12/30</a:t>
             </a:fld>
             <a:endParaRPr kumimoji="1" lang="zh-CN" altLang="en-US"/>
           </a:p>
@@ -1298,7 +1298,7 @@
           <a:p>
             <a:fld id="{BC220D75-57EC-7C49-B4C4-8B2BBB1185A3}" type="datetime1">
               <a:rPr kumimoji="1" lang="zh-CN" altLang="en-US" smtClean="0"/>
-              <a:t>2018/12/28</a:t>
+              <a:t>2018/12/30</a:t>
             </a:fld>
             <a:endParaRPr kumimoji="1" lang="zh-CN" altLang="en-US"/>
           </a:p>
@@ -1481,7 +1481,7 @@
           <a:p>
             <a:fld id="{16AC7AB1-32FD-124D-A873-18911E43E64F}" type="datetime1">
               <a:rPr kumimoji="1" lang="zh-CN" altLang="en-US" smtClean="0"/>
-              <a:t>2018/12/28</a:t>
+              <a:t>2018/12/30</a:t>
             </a:fld>
             <a:endParaRPr kumimoji="1" lang="zh-CN" altLang="en-US"/>
           </a:p>
@@ -1654,7 +1654,7 @@
           <a:p>
             <a:fld id="{79A8554D-A80F-1543-8A8E-96C8B230C53F}" type="datetime1">
               <a:rPr kumimoji="1" lang="zh-CN" altLang="en-US" smtClean="0"/>
-              <a:t>2018/12/28</a:t>
+              <a:t>2018/12/30</a:t>
             </a:fld>
             <a:endParaRPr kumimoji="1" lang="zh-CN" altLang="en-US"/>
           </a:p>
@@ -1932,7 +1932,7 @@
           <a:p>
             <a:fld id="{D632AC81-1677-EA49-9254-1BCD721F86FE}" type="datetime1">
               <a:rPr kumimoji="1" lang="zh-CN" altLang="en-US" smtClean="0"/>
-              <a:t>2018/12/28</a:t>
+              <a:t>2018/12/30</a:t>
             </a:fld>
             <a:endParaRPr kumimoji="1" lang="zh-CN" altLang="en-US"/>
           </a:p>
@@ -2147,7 +2147,7 @@
           <a:p>
             <a:fld id="{7B47AA74-1276-954F-84E5-D85A86DE8023}" type="datetime1">
               <a:rPr kumimoji="1" lang="zh-CN" altLang="en-US" smtClean="0"/>
-              <a:t>2018/12/28</a:t>
+              <a:t>2018/12/30</a:t>
             </a:fld>
             <a:endParaRPr kumimoji="1" lang="zh-CN" altLang="en-US"/>
           </a:p>
@@ -2515,7 +2515,7 @@
           <a:p>
             <a:fld id="{FD5AE5EA-0BDD-A340-BF25-2FF86BE58F1F}" type="datetime1">
               <a:rPr kumimoji="1" lang="zh-CN" altLang="en-US" smtClean="0"/>
-              <a:t>2018/12/28</a:t>
+              <a:t>2018/12/30</a:t>
             </a:fld>
             <a:endParaRPr kumimoji="1" lang="zh-CN" altLang="en-US"/>
           </a:p>
@@ -2656,7 +2656,7 @@
           <a:p>
             <a:fld id="{DBA64DB8-1359-DC4B-B349-E7D49A14CBCC}" type="datetime1">
               <a:rPr kumimoji="1" lang="zh-CN" altLang="en-US" smtClean="0"/>
-              <a:t>2018/12/28</a:t>
+              <a:t>2018/12/30</a:t>
             </a:fld>
             <a:endParaRPr kumimoji="1" lang="zh-CN" altLang="en-US"/>
           </a:p>
@@ -2769,7 +2769,7 @@
           <a:p>
             <a:fld id="{76108F85-B009-AD4F-878E-73C8AD54D93E}" type="datetime1">
               <a:rPr kumimoji="1" lang="zh-CN" altLang="en-US" smtClean="0"/>
-              <a:t>2018/12/28</a:t>
+              <a:t>2018/12/30</a:t>
             </a:fld>
             <a:endParaRPr kumimoji="1" lang="zh-CN" altLang="en-US"/>
           </a:p>
@@ -3058,7 +3058,7 @@
           <a:p>
             <a:fld id="{EDB24B0F-A894-0944-8381-7277A6CB197F}" type="datetime1">
               <a:rPr kumimoji="1" lang="zh-CN" altLang="en-US" smtClean="0"/>
-              <a:t>2018/12/28</a:t>
+              <a:t>2018/12/30</a:t>
             </a:fld>
             <a:endParaRPr kumimoji="1" lang="zh-CN" altLang="en-US"/>
           </a:p>
@@ -3349,7 +3349,7 @@
           <a:p>
             <a:fld id="{3D9F7116-8B3B-514D-917D-3D37877F9142}" type="datetime1">
               <a:rPr kumimoji="1" lang="zh-CN" altLang="en-US" smtClean="0"/>
-              <a:t>2018/12/28</a:t>
+              <a:t>2018/12/30</a:t>
             </a:fld>
             <a:endParaRPr kumimoji="1" lang="zh-CN" altLang="en-US"/>
           </a:p>
@@ -3565,7 +3565,7 @@
           <a:p>
             <a:fld id="{6ABC4792-9E67-A349-A1AE-DA04883BA71C}" type="datetime1">
               <a:rPr kumimoji="1" lang="zh-CN" altLang="en-US" smtClean="0"/>
-              <a:t>2018/12/28</a:t>
+              <a:t>2018/12/30</a:t>
             </a:fld>
             <a:endParaRPr kumimoji="1" lang="zh-CN" altLang="en-US"/>
           </a:p>
@@ -4102,7 +4102,7 @@
                 <a:latin typeface="Times New Roman" panose="02020603050405020304" pitchFamily="18" charset="0"/>
                 <a:cs typeface="Times New Roman" panose="02020603050405020304" pitchFamily="18" charset="0"/>
               </a:rPr>
-              <a:t>2018/12/28</a:t>
+              <a:t>2018/12/30</a:t>
             </a:fld>
             <a:endParaRPr kumimoji="1" lang="zh-CN" altLang="en-US" sz="1800" dirty="0">
               <a:latin typeface="Times New Roman" panose="02020603050405020304" pitchFamily="18" charset="0"/>
@@ -4387,7 +4387,7 @@
           <a:p>
             <a:fld id="{84F04E93-1821-2A42-8770-455129C3DDEB}" type="datetime1">
               <a:rPr kumimoji="1" lang="zh-CN" altLang="en-US" smtClean="0"/>
-              <a:t>2018/12/28</a:t>
+              <a:t>2018/12/30</a:t>
             </a:fld>
             <a:endParaRPr kumimoji="1" lang="zh-CN" altLang="en-US"/>
           </a:p>
@@ -4612,7 +4612,7 @@
           <a:p>
             <a:fld id="{84F04E93-1821-2A42-8770-455129C3DDEB}" type="datetime1">
               <a:rPr kumimoji="1" lang="zh-CN" altLang="en-US" smtClean="0"/>
-              <a:t>2018/12/28</a:t>
+              <a:t>2018/12/30</a:t>
             </a:fld>
             <a:endParaRPr kumimoji="1" lang="zh-CN" altLang="en-US"/>
           </a:p>
@@ -6653,7 +6653,7 @@
                 <a:latin typeface="Times New Roman" panose="02020603050405020304" pitchFamily="18" charset="0"/>
                 <a:cs typeface="Times New Roman" panose="02020603050405020304" pitchFamily="18" charset="0"/>
               </a:rPr>
-              <a:t>number_treatment</a:t>
+              <a:t>num_treatment</a:t>
             </a:r>
             <a:r>
               <a:rPr kumimoji="1" lang="en-US" altLang="zh-CN" sz="1800" dirty="0">
@@ -6858,14 +6858,14 @@
                 <a:latin typeface="Times New Roman" panose="02020603050405020304" pitchFamily="18" charset="0"/>
                 <a:cs typeface="Times New Roman" panose="02020603050405020304" pitchFamily="18" charset="0"/>
               </a:rPr>
-              <a:t>		</a:t>
+              <a:t>	</a:t>
             </a:r>
             <a:r>
               <a:rPr kumimoji="1" lang="zh-CN" altLang="en-US" sz="1800" dirty="0">
                 <a:latin typeface="Times New Roman" panose="02020603050405020304" pitchFamily="18" charset="0"/>
                 <a:cs typeface="Times New Roman" panose="02020603050405020304" pitchFamily="18" charset="0"/>
               </a:rPr>
-              <a:t>     </a:t>
+              <a:t>            </a:t>
             </a:r>
             <a:r>
               <a:rPr kumimoji="1" lang="en-US" altLang="zh-CN" sz="1800" i="1" dirty="0" err="1">
@@ -6984,7 +6984,7 @@
           <a:p>
             <a:fld id="{84F04E93-1821-2A42-8770-455129C3DDEB}" type="datetime1">
               <a:rPr kumimoji="1" lang="zh-CN" altLang="en-US" smtClean="0"/>
-              <a:t>2018/12/28</a:t>
+              <a:t>2018/12/30</a:t>
             </a:fld>
             <a:endParaRPr kumimoji="1" lang="zh-CN" altLang="en-US" dirty="0"/>
           </a:p>
@@ -7638,37 +7638,22 @@
                 <a:latin typeface="Times New Roman" panose="02020603050405020304" pitchFamily="18" charset="0"/>
                 <a:cs typeface="Times New Roman" panose="02020603050405020304" pitchFamily="18" charset="0"/>
               </a:rPr>
-              <a:t>Sampling</a:t>
-            </a:r>
-          </a:p>
-          <a:p>
+              <a:t>Divide</a:t>
+            </a:r>
+            <a:r>
+              <a:rPr lang="zh-CN" altLang="en-US" dirty="0">
+                <a:latin typeface="Times New Roman" panose="02020603050405020304" pitchFamily="18" charset="0"/>
+                <a:cs typeface="Times New Roman" panose="02020603050405020304" pitchFamily="18" charset="0"/>
+              </a:rPr>
+              <a:t> </a:t>
+            </a:r>
             <a:r>
               <a:rPr lang="en-US" altLang="zh-CN" dirty="0">
                 <a:latin typeface="Times New Roman" panose="02020603050405020304" pitchFamily="18" charset="0"/>
                 <a:cs typeface="Times New Roman" panose="02020603050405020304" pitchFamily="18" charset="0"/>
               </a:rPr>
-              <a:t>Divide</a:t>
-            </a:r>
-            <a:r>
-              <a:rPr lang="zh-CN" altLang="en-US" dirty="0">
-                <a:latin typeface="Times New Roman" panose="02020603050405020304" pitchFamily="18" charset="0"/>
-                <a:cs typeface="Times New Roman" panose="02020603050405020304" pitchFamily="18" charset="0"/>
-              </a:rPr>
-              <a:t> </a:t>
-            </a:r>
-            <a:r>
-              <a:rPr lang="en-US" altLang="zh-CN" dirty="0">
-                <a:latin typeface="Times New Roman" panose="02020603050405020304" pitchFamily="18" charset="0"/>
-                <a:cs typeface="Times New Roman" panose="02020603050405020304" pitchFamily="18" charset="0"/>
-              </a:rPr>
               <a:t>dataset with 39347 samples according to the ratio of 4:1</a:t>
             </a:r>
-          </a:p>
-          <a:p>
-            <a:endParaRPr lang="en-US" altLang="zh-CN" dirty="0">
-              <a:latin typeface="Times New Roman" panose="02020603050405020304" pitchFamily="18" charset="0"/>
-              <a:cs typeface="Times New Roman" panose="02020603050405020304" pitchFamily="18" charset="0"/>
-            </a:endParaRPr>
           </a:p>
           <a:p>
             <a:pPr marL="457200" lvl="1" indent="0">
@@ -7678,6 +7663,47 @@
               <a:latin typeface="Times New Roman" panose="02020603050405020304" pitchFamily="18" charset="0"/>
               <a:cs typeface="Times New Roman" panose="02020603050405020304" pitchFamily="18" charset="0"/>
             </a:endParaRPr>
+          </a:p>
+          <a:p>
+            <a:pPr marL="0" indent="0">
+              <a:buNone/>
+            </a:pPr>
+            <a:endParaRPr lang="en-US" altLang="zh-CN" dirty="0">
+              <a:latin typeface="Times New Roman" panose="02020603050405020304" pitchFamily="18" charset="0"/>
+              <a:cs typeface="Times New Roman" panose="02020603050405020304" pitchFamily="18" charset="0"/>
+            </a:endParaRPr>
+          </a:p>
+          <a:p>
+            <a:r>
+              <a:rPr lang="en-US" altLang="zh-CN" dirty="0">
+                <a:solidFill>
+                  <a:srgbClr val="FF0000"/>
+                </a:solidFill>
+                <a:latin typeface="Times New Roman" panose="02020603050405020304" pitchFamily="18" charset="0"/>
+                <a:cs typeface="Times New Roman" panose="02020603050405020304" pitchFamily="18" charset="0"/>
+              </a:rPr>
+              <a:t>Sampling</a:t>
+            </a:r>
+            <a:r>
+              <a:rPr lang="zh-CN" altLang="en-US" dirty="0">
+                <a:solidFill>
+                  <a:srgbClr val="FF0000"/>
+                </a:solidFill>
+                <a:latin typeface="Times New Roman" panose="02020603050405020304" pitchFamily="18" charset="0"/>
+                <a:cs typeface="Times New Roman" panose="02020603050405020304" pitchFamily="18" charset="0"/>
+              </a:rPr>
+              <a:t> </a:t>
+            </a:r>
+            <a:r>
+              <a:rPr lang="en-US" altLang="zh-CN" dirty="0">
+                <a:solidFill>
+                  <a:srgbClr val="FF0000"/>
+                </a:solidFill>
+                <a:latin typeface="Times New Roman" panose="02020603050405020304" pitchFamily="18" charset="0"/>
+                <a:cs typeface="Times New Roman" panose="02020603050405020304" pitchFamily="18" charset="0"/>
+              </a:rPr>
+              <a:t>(SMOTE)</a:t>
+            </a:r>
           </a:p>
           <a:p>
             <a:pPr marL="0" indent="0">
@@ -7719,7 +7745,7 @@
           <a:p>
             <a:fld id="{79A8554D-A80F-1543-8A8E-96C8B230C53F}" type="datetime1">
               <a:rPr kumimoji="1" lang="zh-CN" altLang="en-US" smtClean="0"/>
-              <a:t>2018/12/28</a:t>
+              <a:t>2018/12/30</a:t>
             </a:fld>
             <a:endParaRPr kumimoji="1" lang="zh-CN" altLang="en-US"/>
           </a:p>
@@ -7740,13 +7766,13 @@
           <p:nvPr>
             <p:extLst>
               <p:ext uri="{D42A27DB-BD31-4B8C-83A1-F6EECF244321}">
-                <p14:modId xmlns:p14="http://schemas.microsoft.com/office/powerpoint/2010/main" val="164433082"/>
+                <p14:modId xmlns:p14="http://schemas.microsoft.com/office/powerpoint/2010/main" val="1373604672"/>
               </p:ext>
             </p:extLst>
           </p:nvPr>
         </p:nvGraphicFramePr>
         <p:xfrm>
-          <a:off x="1516888" y="4858512"/>
+          <a:off x="1516888" y="4252457"/>
           <a:ext cx="3134360" cy="792480"/>
         </p:xfrm>
         <a:graphic>
@@ -8394,7 +8420,34 @@
                 <a:latin typeface="Times New Roman" panose="02020603050405020304" pitchFamily="18" charset="0"/>
                 <a:cs typeface="Times New Roman" panose="02020603050405020304" pitchFamily="18" charset="0"/>
               </a:rPr>
-              <a:t>With accuracy of 61.02% and MACRO-F1 of 0.59</a:t>
+              <a:t>With accuracy of </a:t>
+            </a:r>
+            <a:r>
+              <a:rPr kumimoji="1" lang="en-US" altLang="zh-CN" dirty="0">
+                <a:solidFill>
+                  <a:srgbClr val="FF0000"/>
+                </a:solidFill>
+                <a:latin typeface="Times New Roman" panose="02020603050405020304" pitchFamily="18" charset="0"/>
+                <a:cs typeface="Times New Roman" panose="02020603050405020304" pitchFamily="18" charset="0"/>
+              </a:rPr>
+              <a:t>57.09% </a:t>
+            </a:r>
+            <a:r>
+              <a:rPr kumimoji="1" lang="en-US" altLang="zh-CN" dirty="0">
+                <a:latin typeface="Times New Roman" panose="02020603050405020304" pitchFamily="18" charset="0"/>
+                <a:cs typeface="Times New Roman" panose="02020603050405020304" pitchFamily="18" charset="0"/>
+              </a:rPr>
+              <a:t>and MACRO-F1 of </a:t>
+            </a:r>
+            <a:r>
+              <a:rPr kumimoji="1" lang="en-US" altLang="zh-CN" dirty="0">
+                <a:solidFill>
+                  <a:srgbClr val="FF0000"/>
+                </a:solidFill>
+                <a:latin typeface="Times New Roman" panose="02020603050405020304" pitchFamily="18" charset="0"/>
+                <a:cs typeface="Times New Roman" panose="02020603050405020304" pitchFamily="18" charset="0"/>
+              </a:rPr>
+              <a:t>0.39</a:t>
             </a:r>
           </a:p>
         </p:txBody>
@@ -8422,7 +8475,7 @@
           <a:p>
             <a:fld id="{79A8554D-A80F-1543-8A8E-96C8B230C53F}" type="datetime1">
               <a:rPr kumimoji="1" lang="zh-CN" altLang="en-US" smtClean="0"/>
-              <a:t>2018/12/28</a:t>
+              <a:t>2018/12/30</a:t>
             </a:fld>
             <a:endParaRPr kumimoji="1" lang="zh-CN" altLang="en-US"/>
           </a:p>
@@ -8443,7 +8496,7 @@
           <p:nvPr>
             <p:extLst>
               <p:ext uri="{D42A27DB-BD31-4B8C-83A1-F6EECF244321}">
-                <p14:modId xmlns:p14="http://schemas.microsoft.com/office/powerpoint/2010/main" val="2958861371"/>
+                <p14:modId xmlns:p14="http://schemas.microsoft.com/office/powerpoint/2010/main" val="2774149397"/>
               </p:ext>
             </p:extLst>
           </p:nvPr>
@@ -8542,7 +8595,7 @@
                           <a:latin typeface="Times New Roman" panose="02020603050405020304" pitchFamily="18" charset="0"/>
                           <a:cs typeface="Times New Roman" panose="02020603050405020304" pitchFamily="18" charset="0"/>
                         </a:rPr>
-                        <a:t>0.60837</a:t>
+                        <a:t>0.59832</a:t>
                       </a:r>
                       <a:endParaRPr lang="zh-CN" altLang="en-US" dirty="0">
                         <a:latin typeface="Times New Roman" panose="02020603050405020304" pitchFamily="18" charset="0"/>
@@ -8645,7 +8698,7 @@
                           <a:latin typeface="Times New Roman" panose="02020603050405020304" pitchFamily="18" charset="0"/>
                           <a:cs typeface="Times New Roman" panose="02020603050405020304" pitchFamily="18" charset="0"/>
                         </a:rPr>
-                        <a:t>0.61022</a:t>
+                        <a:t>0.57093</a:t>
                       </a:r>
                       <a:endParaRPr lang="zh-CN" altLang="en-US" dirty="0">
                         <a:latin typeface="Times New Roman" panose="02020603050405020304" pitchFamily="18" charset="0"/>
@@ -8755,7 +8808,7 @@
                           <a:latin typeface="Times New Roman" panose="02020603050405020304" pitchFamily="18" charset="0"/>
                           <a:cs typeface="Times New Roman" panose="02020603050405020304" pitchFamily="18" charset="0"/>
                         </a:rPr>
-                        <a:t>[[7538  136 1584]</a:t>
+                        <a:t> [[7624  106 1526]</a:t>
                       </a:r>
                     </a:p>
                     <a:p>
@@ -8765,7 +8818,21 @@
                           <a:latin typeface="Times New Roman" panose="02020603050405020304" pitchFamily="18" charset="0"/>
                           <a:cs typeface="Times New Roman" panose="02020603050405020304" pitchFamily="18" charset="0"/>
                         </a:rPr>
-                        <a:t> [1348 6495 1494]</a:t>
+                        <a:t> </a:t>
+                      </a:r>
+                      <a:r>
+                        <a:rPr lang="zh-CN" altLang="en-US" dirty="0">
+                          <a:latin typeface="Times New Roman" panose="02020603050405020304" pitchFamily="18" charset="0"/>
+                          <a:cs typeface="Times New Roman" panose="02020603050405020304" pitchFamily="18" charset="0"/>
+                        </a:rPr>
+                        <a:t> </a:t>
+                      </a:r>
+                      <a:r>
+                        <a:rPr lang="en-US" altLang="zh-CN" dirty="0">
+                          <a:latin typeface="Times New Roman" panose="02020603050405020304" pitchFamily="18" charset="0"/>
+                          <a:cs typeface="Times New Roman" panose="02020603050405020304" pitchFamily="18" charset="0"/>
+                        </a:rPr>
+                        <a:t>[1186   58  670]</a:t>
                       </a:r>
                     </a:p>
                     <a:p>
@@ -8775,7 +8842,21 @@
                           <a:latin typeface="Times New Roman" panose="02020603050405020304" pitchFamily="18" charset="0"/>
                           <a:cs typeface="Times New Roman" panose="02020603050405020304" pitchFamily="18" charset="0"/>
                         </a:rPr>
-                        <a:t> [3913 2388 2974]]</a:t>
+                        <a:t> </a:t>
+                      </a:r>
+                      <a:r>
+                        <a:rPr lang="zh-CN" altLang="en-US" dirty="0">
+                          <a:latin typeface="Times New Roman" panose="02020603050405020304" pitchFamily="18" charset="0"/>
+                          <a:cs typeface="Times New Roman" panose="02020603050405020304" pitchFamily="18" charset="0"/>
+                        </a:rPr>
+                        <a:t>    </a:t>
+                      </a:r>
+                      <a:r>
+                        <a:rPr lang="en-US" altLang="zh-CN" dirty="0">
+                          <a:latin typeface="Times New Roman" panose="02020603050405020304" pitchFamily="18" charset="0"/>
+                          <a:cs typeface="Times New Roman" panose="02020603050405020304" pitchFamily="18" charset="0"/>
+                        </a:rPr>
+                        <a:t>[3806  134 2202]]</a:t>
                       </a:r>
                       <a:endParaRPr lang="zh-CN" altLang="en-US" dirty="0">
                         <a:latin typeface="Times New Roman" panose="02020603050405020304" pitchFamily="18" charset="0"/>
@@ -9024,7 +9105,7 @@
                           <a:latin typeface="Times New Roman" panose="02020603050405020304" pitchFamily="18" charset="0"/>
                           <a:cs typeface="Times New Roman" panose="02020603050405020304" pitchFamily="18" charset="0"/>
                         </a:rPr>
-                        <a:t>0.59</a:t>
+                        <a:t>0.60</a:t>
                       </a:r>
                       <a:endParaRPr lang="zh-CN" altLang="en-US" dirty="0">
                         <a:latin typeface="Times New Roman" panose="02020603050405020304" pitchFamily="18" charset="0"/>
@@ -9045,7 +9126,7 @@
                           <a:latin typeface="Times New Roman" panose="02020603050405020304" pitchFamily="18" charset="0"/>
                           <a:cs typeface="Times New Roman" panose="02020603050405020304" pitchFamily="18" charset="0"/>
                         </a:rPr>
-                        <a:t>0.81</a:t>
+                        <a:t>0.82</a:t>
                       </a:r>
                       <a:endParaRPr lang="zh-CN" altLang="en-US" dirty="0">
                         <a:latin typeface="Times New Roman" panose="02020603050405020304" pitchFamily="18" charset="0"/>
@@ -9066,7 +9147,7 @@
                           <a:latin typeface="Times New Roman" panose="02020603050405020304" pitchFamily="18" charset="0"/>
                           <a:cs typeface="Times New Roman" panose="02020603050405020304" pitchFamily="18" charset="0"/>
                         </a:rPr>
-                        <a:t>0.68</a:t>
+                        <a:t>0.70</a:t>
                       </a:r>
                       <a:endParaRPr lang="zh-CN" altLang="en-US" dirty="0">
                         <a:latin typeface="Times New Roman" panose="02020603050405020304" pitchFamily="18" charset="0"/>
@@ -9087,7 +9168,7 @@
                           <a:latin typeface="Times New Roman" panose="02020603050405020304" pitchFamily="18" charset="0"/>
                           <a:cs typeface="Times New Roman" panose="02020603050405020304" pitchFamily="18" charset="0"/>
                         </a:rPr>
-                        <a:t>9258</a:t>
+                        <a:t>9256</a:t>
                       </a:r>
                       <a:endParaRPr lang="zh-CN" altLang="en-US" dirty="0">
                         <a:latin typeface="Times New Roman" panose="02020603050405020304" pitchFamily="18" charset="0"/>
@@ -9146,7 +9227,7 @@
                           <a:latin typeface="Times New Roman" panose="02020603050405020304" pitchFamily="18" charset="0"/>
                           <a:cs typeface="Times New Roman" panose="02020603050405020304" pitchFamily="18" charset="0"/>
                         </a:rPr>
-                        <a:t>0.72</a:t>
+                        <a:t>0.19</a:t>
                       </a:r>
                       <a:endParaRPr lang="zh-CN" altLang="en-US" dirty="0">
                         <a:latin typeface="Times New Roman" panose="02020603050405020304" pitchFamily="18" charset="0"/>
@@ -9167,7 +9248,7 @@
                           <a:latin typeface="Times New Roman" panose="02020603050405020304" pitchFamily="18" charset="0"/>
                           <a:cs typeface="Times New Roman" panose="02020603050405020304" pitchFamily="18" charset="0"/>
                         </a:rPr>
-                        <a:t>0.70</a:t>
+                        <a:t>0.03</a:t>
                       </a:r>
                       <a:endParaRPr lang="zh-CN" altLang="en-US" dirty="0">
                         <a:latin typeface="Times New Roman" panose="02020603050405020304" pitchFamily="18" charset="0"/>
@@ -9188,7 +9269,7 @@
                           <a:latin typeface="Times New Roman" panose="02020603050405020304" pitchFamily="18" charset="0"/>
                           <a:cs typeface="Times New Roman" panose="02020603050405020304" pitchFamily="18" charset="0"/>
                         </a:rPr>
-                        <a:t>0.71</a:t>
+                        <a:t>0.05</a:t>
                       </a:r>
                       <a:endParaRPr lang="zh-CN" altLang="en-US" dirty="0">
                         <a:latin typeface="Times New Roman" panose="02020603050405020304" pitchFamily="18" charset="0"/>
@@ -9209,7 +9290,7 @@
                           <a:latin typeface="Times New Roman" panose="02020603050405020304" pitchFamily="18" charset="0"/>
                           <a:cs typeface="Times New Roman" panose="02020603050405020304" pitchFamily="18" charset="0"/>
                         </a:rPr>
-                        <a:t>9337</a:t>
+                        <a:t>1914</a:t>
                       </a:r>
                       <a:endParaRPr lang="zh-CN" altLang="en-US" dirty="0">
                         <a:latin typeface="Times New Roman" panose="02020603050405020304" pitchFamily="18" charset="0"/>
@@ -9268,7 +9349,7 @@
                           <a:latin typeface="Times New Roman" panose="02020603050405020304" pitchFamily="18" charset="0"/>
                           <a:cs typeface="Times New Roman" panose="02020603050405020304" pitchFamily="18" charset="0"/>
                         </a:rPr>
-                        <a:t>0.49</a:t>
+                        <a:t>0.50</a:t>
                       </a:r>
                       <a:endParaRPr lang="zh-CN" altLang="en-US" dirty="0">
                         <a:latin typeface="Times New Roman" panose="02020603050405020304" pitchFamily="18" charset="0"/>
@@ -9289,7 +9370,7 @@
                           <a:latin typeface="Times New Roman" panose="02020603050405020304" pitchFamily="18" charset="0"/>
                           <a:cs typeface="Times New Roman" panose="02020603050405020304" pitchFamily="18" charset="0"/>
                         </a:rPr>
-                        <a:t>0.32</a:t>
+                        <a:t>0.36</a:t>
                       </a:r>
                       <a:endParaRPr lang="zh-CN" altLang="en-US" dirty="0">
                         <a:latin typeface="Times New Roman" panose="02020603050405020304" pitchFamily="18" charset="0"/>
@@ -9310,7 +9391,7 @@
                           <a:latin typeface="Times New Roman" panose="02020603050405020304" pitchFamily="18" charset="0"/>
                           <a:cs typeface="Times New Roman" panose="02020603050405020304" pitchFamily="18" charset="0"/>
                         </a:rPr>
-                        <a:t>0.39</a:t>
+                        <a:t>0.42</a:t>
                       </a:r>
                       <a:endParaRPr lang="zh-CN" altLang="en-US" dirty="0">
                         <a:latin typeface="Times New Roman" panose="02020603050405020304" pitchFamily="18" charset="0"/>
@@ -9331,7 +9412,7 @@
                           <a:latin typeface="Times New Roman" panose="02020603050405020304" pitchFamily="18" charset="0"/>
                           <a:cs typeface="Times New Roman" panose="02020603050405020304" pitchFamily="18" charset="0"/>
                         </a:rPr>
-                        <a:t>9275</a:t>
+                        <a:t>6142</a:t>
                       </a:r>
                       <a:endParaRPr lang="zh-CN" altLang="en-US" dirty="0">
                         <a:latin typeface="Times New Roman" panose="02020603050405020304" pitchFamily="18" charset="0"/>
@@ -9408,7 +9489,7 @@
                           <a:latin typeface="Times New Roman" panose="02020603050405020304" pitchFamily="18" charset="0"/>
                           <a:cs typeface="Times New Roman" panose="02020603050405020304" pitchFamily="18" charset="0"/>
                         </a:rPr>
-                        <a:t>0.60</a:t>
+                        <a:t>0.43</a:t>
                       </a:r>
                     </a:p>
                   </a:txBody>
@@ -9425,7 +9506,7 @@
                           <a:latin typeface="Times New Roman" panose="02020603050405020304" pitchFamily="18" charset="0"/>
                           <a:cs typeface="Times New Roman" panose="02020603050405020304" pitchFamily="18" charset="0"/>
                         </a:rPr>
-                        <a:t>0.61</a:t>
+                        <a:t>0.40</a:t>
                       </a:r>
                       <a:endParaRPr lang="zh-CN" altLang="en-US" dirty="0">
                         <a:latin typeface="Times New Roman" panose="02020603050405020304" pitchFamily="18" charset="0"/>
@@ -9446,7 +9527,7 @@
                           <a:latin typeface="Times New Roman" panose="02020603050405020304" pitchFamily="18" charset="0"/>
                           <a:cs typeface="Times New Roman" panose="02020603050405020304" pitchFamily="18" charset="0"/>
                         </a:rPr>
-                        <a:t>0.59</a:t>
+                        <a:t>0.39</a:t>
                       </a:r>
                       <a:endParaRPr lang="zh-CN" altLang="en-US" dirty="0">
                         <a:latin typeface="Times New Roman" panose="02020603050405020304" pitchFamily="18" charset="0"/>
@@ -9467,7 +9548,7 @@
                           <a:latin typeface="Times New Roman" panose="02020603050405020304" pitchFamily="18" charset="0"/>
                           <a:cs typeface="Times New Roman" panose="02020603050405020304" pitchFamily="18" charset="0"/>
                         </a:rPr>
-                        <a:t>27870</a:t>
+                        <a:t>17312</a:t>
                       </a:r>
                       <a:endParaRPr lang="zh-CN" altLang="en-US" dirty="0">
                         <a:latin typeface="Times New Roman" panose="02020603050405020304" pitchFamily="18" charset="0"/>
@@ -9703,7 +9784,34 @@
                 <a:latin typeface="Times New Roman" panose="02020603050405020304" pitchFamily="18" charset="0"/>
                 <a:cs typeface="Times New Roman" panose="02020603050405020304" pitchFamily="18" charset="0"/>
               </a:rPr>
-              <a:t>With accuracy of 68.29% and MACRO-F1 of 0.67</a:t>
+              <a:t>With accuracy of </a:t>
+            </a:r>
+            <a:r>
+              <a:rPr kumimoji="1" lang="en-US" altLang="zh-CN" dirty="0">
+                <a:solidFill>
+                  <a:srgbClr val="FF0000"/>
+                </a:solidFill>
+                <a:latin typeface="Times New Roman" panose="02020603050405020304" pitchFamily="18" charset="0"/>
+                <a:cs typeface="Times New Roman" panose="02020603050405020304" pitchFamily="18" charset="0"/>
+              </a:rPr>
+              <a:t>56.20% </a:t>
+            </a:r>
+            <a:r>
+              <a:rPr kumimoji="1" lang="en-US" altLang="zh-CN" dirty="0">
+                <a:latin typeface="Times New Roman" panose="02020603050405020304" pitchFamily="18" charset="0"/>
+                <a:cs typeface="Times New Roman" panose="02020603050405020304" pitchFamily="18" charset="0"/>
+              </a:rPr>
+              <a:t>and MACRO-F1 of </a:t>
+            </a:r>
+            <a:r>
+              <a:rPr kumimoji="1" lang="en-US" altLang="zh-CN" dirty="0">
+                <a:solidFill>
+                  <a:srgbClr val="FF0000"/>
+                </a:solidFill>
+                <a:latin typeface="Times New Roman" panose="02020603050405020304" pitchFamily="18" charset="0"/>
+                <a:cs typeface="Times New Roman" panose="02020603050405020304" pitchFamily="18" charset="0"/>
+              </a:rPr>
+              <a:t>0.39</a:t>
             </a:r>
           </a:p>
         </p:txBody>
@@ -9731,7 +9839,7 @@
           <a:p>
             <a:fld id="{79A8554D-A80F-1543-8A8E-96C8B230C53F}" type="datetime1">
               <a:rPr kumimoji="1" lang="zh-CN" altLang="en-US" smtClean="0"/>
-              <a:t>2018/12/28</a:t>
+              <a:t>2018/12/30</a:t>
             </a:fld>
             <a:endParaRPr kumimoji="1" lang="zh-CN" altLang="en-US"/>
           </a:p>
@@ -9752,7 +9860,7 @@
           <p:nvPr>
             <p:extLst>
               <p:ext uri="{D42A27DB-BD31-4B8C-83A1-F6EECF244321}">
-                <p14:modId xmlns:p14="http://schemas.microsoft.com/office/powerpoint/2010/main" val="1854617588"/>
+                <p14:modId xmlns:p14="http://schemas.microsoft.com/office/powerpoint/2010/main" val="1797658816"/>
               </p:ext>
             </p:extLst>
           </p:nvPr>
@@ -9851,7 +9959,7 @@
                           <a:latin typeface="Times New Roman" panose="02020603050405020304" pitchFamily="18" charset="0"/>
                           <a:cs typeface="Times New Roman" panose="02020603050405020304" pitchFamily="18" charset="0"/>
                         </a:rPr>
-                        <a:t> 0.67756</a:t>
+                        <a:t> 0.67027</a:t>
                       </a:r>
                       <a:endParaRPr lang="zh-CN" altLang="en-US" dirty="0">
                         <a:latin typeface="Times New Roman" panose="02020603050405020304" pitchFamily="18" charset="0"/>
@@ -9954,7 +10062,7 @@
                           <a:latin typeface="Times New Roman" panose="02020603050405020304" pitchFamily="18" charset="0"/>
                           <a:cs typeface="Times New Roman" panose="02020603050405020304" pitchFamily="18" charset="0"/>
                         </a:rPr>
-                        <a:t>0.68297</a:t>
+                        <a:t>0.56203</a:t>
                       </a:r>
                       <a:endParaRPr lang="zh-CN" altLang="en-US" dirty="0">
                         <a:latin typeface="Times New Roman" panose="02020603050405020304" pitchFamily="18" charset="0"/>
@@ -10064,7 +10172,7 @@
                           <a:latin typeface="Times New Roman" panose="02020603050405020304" pitchFamily="18" charset="0"/>
                           <a:cs typeface="Times New Roman" panose="02020603050405020304" pitchFamily="18" charset="0"/>
                         </a:rPr>
-                        <a:t>[[7180   92 1986]</a:t>
+                        <a:t>[[7347   76 1833]</a:t>
                       </a:r>
                     </a:p>
                     <a:p>
@@ -10074,7 +10182,7 @@
                           <a:latin typeface="Times New Roman" panose="02020603050405020304" pitchFamily="18" charset="0"/>
                           <a:cs typeface="Times New Roman" panose="02020603050405020304" pitchFamily="18" charset="0"/>
                         </a:rPr>
-                        <a:t> [1057 7576  704]</a:t>
+                        <a:t> [1181   53  680]</a:t>
                       </a:r>
                     </a:p>
                     <a:p>
@@ -10084,7 +10192,21 @@
                           <a:latin typeface="Times New Roman" panose="02020603050405020304" pitchFamily="18" charset="0"/>
                           <a:cs typeface="Times New Roman" panose="02020603050405020304" pitchFamily="18" charset="0"/>
                         </a:rPr>
-                        <a:t> [3484 1624 4167]]</a:t>
+                        <a:t> </a:t>
+                      </a:r>
+                      <a:r>
+                        <a:rPr lang="zh-CN" altLang="en-US" dirty="0">
+                          <a:latin typeface="Times New Roman" panose="02020603050405020304" pitchFamily="18" charset="0"/>
+                          <a:cs typeface="Times New Roman" panose="02020603050405020304" pitchFamily="18" charset="0"/>
+                        </a:rPr>
+                        <a:t>   </a:t>
+                      </a:r>
+                      <a:r>
+                        <a:rPr lang="en-US" altLang="zh-CN" dirty="0">
+                          <a:latin typeface="Times New Roman" panose="02020603050405020304" pitchFamily="18" charset="0"/>
+                          <a:cs typeface="Times New Roman" panose="02020603050405020304" pitchFamily="18" charset="0"/>
+                        </a:rPr>
+                        <a:t>[3723   89 2330]]</a:t>
                       </a:r>
                       <a:endParaRPr lang="zh-CN" altLang="en-US" dirty="0">
                         <a:latin typeface="Times New Roman" panose="02020603050405020304" pitchFamily="18" charset="0"/>
@@ -10333,7 +10455,7 @@
                           <a:latin typeface="Times New Roman" panose="02020603050405020304" pitchFamily="18" charset="0"/>
                           <a:cs typeface="Times New Roman" panose="02020603050405020304" pitchFamily="18" charset="0"/>
                         </a:rPr>
-                        <a:t>0.61</a:t>
+                        <a:t>0.60</a:t>
                       </a:r>
                       <a:endParaRPr lang="zh-CN" altLang="en-US" dirty="0">
                         <a:latin typeface="Times New Roman" panose="02020603050405020304" pitchFamily="18" charset="0"/>
@@ -10354,7 +10476,7 @@
                           <a:latin typeface="Times New Roman" panose="02020603050405020304" pitchFamily="18" charset="0"/>
                           <a:cs typeface="Times New Roman" panose="02020603050405020304" pitchFamily="18" charset="0"/>
                         </a:rPr>
-                        <a:t>0.78</a:t>
+                        <a:t>0.79</a:t>
                       </a:r>
                       <a:endParaRPr lang="zh-CN" altLang="en-US" dirty="0">
                         <a:latin typeface="Times New Roman" panose="02020603050405020304" pitchFamily="18" charset="0"/>
@@ -10396,7 +10518,7 @@
                           <a:latin typeface="Times New Roman" panose="02020603050405020304" pitchFamily="18" charset="0"/>
                           <a:cs typeface="Times New Roman" panose="02020603050405020304" pitchFamily="18" charset="0"/>
                         </a:rPr>
-                        <a:t>9258</a:t>
+                        <a:t>9256</a:t>
                       </a:r>
                       <a:endParaRPr lang="zh-CN" altLang="en-US" dirty="0">
                         <a:latin typeface="Times New Roman" panose="02020603050405020304" pitchFamily="18" charset="0"/>
@@ -10455,7 +10577,7 @@
                           <a:latin typeface="Times New Roman" panose="02020603050405020304" pitchFamily="18" charset="0"/>
                           <a:cs typeface="Times New Roman" panose="02020603050405020304" pitchFamily="18" charset="0"/>
                         </a:rPr>
-                        <a:t>0.82</a:t>
+                        <a:t>0.24</a:t>
                       </a:r>
                       <a:endParaRPr lang="zh-CN" altLang="en-US" dirty="0">
                         <a:latin typeface="Times New Roman" panose="02020603050405020304" pitchFamily="18" charset="0"/>
@@ -10476,7 +10598,24 @@
                           <a:latin typeface="Times New Roman" panose="02020603050405020304" pitchFamily="18" charset="0"/>
                           <a:cs typeface="Times New Roman" panose="02020603050405020304" pitchFamily="18" charset="0"/>
                         </a:rPr>
-                        <a:t>0.81</a:t>
+                        <a:t>0.03</a:t>
+                      </a:r>
+                    </a:p>
+                  </a:txBody>
+                  <a:tcPr/>
+                </a:tc>
+                <a:tc>
+                  <a:txBody>
+                    <a:bodyPr/>
+                    <a:lstStyle/>
+                    <a:p>
+                      <a:pPr algn="ctr"/>
+                      <a:r>
+                        <a:rPr lang="en-US" altLang="zh-CN" dirty="0">
+                          <a:latin typeface="Times New Roman" panose="02020603050405020304" pitchFamily="18" charset="0"/>
+                          <a:cs typeface="Times New Roman" panose="02020603050405020304" pitchFamily="18" charset="0"/>
+                        </a:rPr>
+                        <a:t>0.05</a:t>
                       </a:r>
                       <a:endParaRPr lang="zh-CN" altLang="en-US" dirty="0">
                         <a:latin typeface="Times New Roman" panose="02020603050405020304" pitchFamily="18" charset="0"/>
@@ -10497,28 +10636,7 @@
                           <a:latin typeface="Times New Roman" panose="02020603050405020304" pitchFamily="18" charset="0"/>
                           <a:cs typeface="Times New Roman" panose="02020603050405020304" pitchFamily="18" charset="0"/>
                         </a:rPr>
-                        <a:t>0.81</a:t>
-                      </a:r>
-                      <a:endParaRPr lang="zh-CN" altLang="en-US" dirty="0">
-                        <a:latin typeface="Times New Roman" panose="02020603050405020304" pitchFamily="18" charset="0"/>
-                        <a:cs typeface="Times New Roman" panose="02020603050405020304" pitchFamily="18" charset="0"/>
-                      </a:endParaRPr>
-                    </a:p>
-                  </a:txBody>
-                  <a:tcPr/>
-                </a:tc>
-                <a:tc>
-                  <a:txBody>
-                    <a:bodyPr/>
-                    <a:lstStyle/>
-                    <a:p>
-                      <a:pPr algn="ctr"/>
-                      <a:r>
-                        <a:rPr lang="en-US" altLang="zh-CN" dirty="0">
-                          <a:latin typeface="Times New Roman" panose="02020603050405020304" pitchFamily="18" charset="0"/>
-                          <a:cs typeface="Times New Roman" panose="02020603050405020304" pitchFamily="18" charset="0"/>
-                        </a:rPr>
-                        <a:t>9337</a:t>
+                        <a:t>1914</a:t>
                       </a:r>
                       <a:endParaRPr lang="zh-CN" altLang="en-US" dirty="0">
                         <a:latin typeface="Times New Roman" panose="02020603050405020304" pitchFamily="18" charset="0"/>
@@ -10577,7 +10695,7 @@
                           <a:latin typeface="Times New Roman" panose="02020603050405020304" pitchFamily="18" charset="0"/>
                           <a:cs typeface="Times New Roman" panose="02020603050405020304" pitchFamily="18" charset="0"/>
                         </a:rPr>
-                        <a:t>0.61</a:t>
+                        <a:t>0.48</a:t>
                       </a:r>
                       <a:endParaRPr lang="zh-CN" altLang="en-US" dirty="0">
                         <a:latin typeface="Times New Roman" panose="02020603050405020304" pitchFamily="18" charset="0"/>
@@ -10598,7 +10716,7 @@
                           <a:latin typeface="Times New Roman" panose="02020603050405020304" pitchFamily="18" charset="0"/>
                           <a:cs typeface="Times New Roman" panose="02020603050405020304" pitchFamily="18" charset="0"/>
                         </a:rPr>
-                        <a:t>0.45</a:t>
+                        <a:t>0.38</a:t>
                       </a:r>
                       <a:endParaRPr lang="zh-CN" altLang="en-US" dirty="0">
                         <a:latin typeface="Times New Roman" panose="02020603050405020304" pitchFamily="18" charset="0"/>
@@ -10619,7 +10737,7 @@
                           <a:latin typeface="Times New Roman" panose="02020603050405020304" pitchFamily="18" charset="0"/>
                           <a:cs typeface="Times New Roman" panose="02020603050405020304" pitchFamily="18" charset="0"/>
                         </a:rPr>
-                        <a:t>0.52</a:t>
+                        <a:t>0.42</a:t>
                       </a:r>
                       <a:endParaRPr lang="zh-CN" altLang="en-US" dirty="0">
                         <a:latin typeface="Times New Roman" panose="02020603050405020304" pitchFamily="18" charset="0"/>
@@ -10640,7 +10758,7 @@
                           <a:latin typeface="Times New Roman" panose="02020603050405020304" pitchFamily="18" charset="0"/>
                           <a:cs typeface="Times New Roman" panose="02020603050405020304" pitchFamily="18" charset="0"/>
                         </a:rPr>
-                        <a:t>9275</a:t>
+                        <a:t>6142</a:t>
                       </a:r>
                       <a:endParaRPr lang="zh-CN" altLang="en-US" dirty="0">
                         <a:latin typeface="Times New Roman" panose="02020603050405020304" pitchFamily="18" charset="0"/>
@@ -10717,7 +10835,7 @@
                           <a:latin typeface="Times New Roman" panose="02020603050405020304" pitchFamily="18" charset="0"/>
                           <a:cs typeface="Times New Roman" panose="02020603050405020304" pitchFamily="18" charset="0"/>
                         </a:rPr>
-                        <a:t>0.68</a:t>
+                        <a:t>0.44</a:t>
                       </a:r>
                     </a:p>
                   </a:txBody>
@@ -10734,7 +10852,7 @@
                           <a:latin typeface="Times New Roman" panose="02020603050405020304" pitchFamily="18" charset="0"/>
                           <a:cs typeface="Times New Roman" panose="02020603050405020304" pitchFamily="18" charset="0"/>
                         </a:rPr>
-                        <a:t>0.68</a:t>
+                        <a:t>0.40</a:t>
                       </a:r>
                       <a:endParaRPr lang="zh-CN" altLang="en-US" dirty="0">
                         <a:latin typeface="Times New Roman" panose="02020603050405020304" pitchFamily="18" charset="0"/>
@@ -10755,7 +10873,7 @@
                           <a:latin typeface="Times New Roman" panose="02020603050405020304" pitchFamily="18" charset="0"/>
                           <a:cs typeface="Times New Roman" panose="02020603050405020304" pitchFamily="18" charset="0"/>
                         </a:rPr>
-                        <a:t>0.67</a:t>
+                        <a:t>0.39</a:t>
                       </a:r>
                       <a:endParaRPr lang="zh-CN" altLang="en-US" dirty="0">
                         <a:latin typeface="Times New Roman" panose="02020603050405020304" pitchFamily="18" charset="0"/>
@@ -10776,7 +10894,7 @@
                           <a:latin typeface="Times New Roman" panose="02020603050405020304" pitchFamily="18" charset="0"/>
                           <a:cs typeface="Times New Roman" panose="02020603050405020304" pitchFamily="18" charset="0"/>
                         </a:rPr>
-                        <a:t>27870</a:t>
+                        <a:t>17312</a:t>
                       </a:r>
                       <a:endParaRPr lang="zh-CN" altLang="en-US" dirty="0">
                         <a:latin typeface="Times New Roman" panose="02020603050405020304" pitchFamily="18" charset="0"/>
@@ -10944,7 +11062,7 @@
           <a:p>
             <a:fld id="{79A8554D-A80F-1543-8A8E-96C8B230C53F}" type="datetime1">
               <a:rPr kumimoji="1" lang="zh-CN" altLang="en-US" smtClean="0"/>
-              <a:t>2018/12/28</a:t>
+              <a:t>2018/12/30</a:t>
             </a:fld>
             <a:endParaRPr kumimoji="1" lang="zh-CN" altLang="en-US"/>
           </a:p>
@@ -11088,7 +11206,7 @@
           <a:p>
             <a:fld id="{79A8554D-A80F-1543-8A8E-96C8B230C53F}" type="datetime1">
               <a:rPr kumimoji="1" lang="zh-CN" altLang="en-US" smtClean="0"/>
-              <a:t>2018/12/28</a:t>
+              <a:t>2018/12/30</a:t>
             </a:fld>
             <a:endParaRPr kumimoji="1" lang="zh-CN" altLang="en-US"/>
           </a:p>
